--- a/Hackathon 2016-youngexplorers.pptx
+++ b/Hackathon 2016-youngexplorers.pptx
@@ -8,18 +8,19 @@
     <p:sldMasterId id="2147483695" r:id="rId4"/>
   </p:sldMasterIdLst>
   <p:notesMasterIdLst>
-    <p:notesMasterId r:id="rId11"/>
+    <p:notesMasterId r:id="rId12"/>
   </p:notesMasterIdLst>
   <p:handoutMasterIdLst>
-    <p:handoutMasterId r:id="rId12"/>
+    <p:handoutMasterId r:id="rId13"/>
   </p:handoutMasterIdLst>
   <p:sldIdLst>
     <p:sldId id="843" r:id="rId5"/>
     <p:sldId id="825" r:id="rId6"/>
     <p:sldId id="818" r:id="rId7"/>
-    <p:sldId id="844" r:id="rId8"/>
-    <p:sldId id="845" r:id="rId9"/>
-    <p:sldId id="846" r:id="rId10"/>
+    <p:sldId id="847" r:id="rId8"/>
+    <p:sldId id="844" r:id="rId9"/>
+    <p:sldId id="845" r:id="rId10"/>
+    <p:sldId id="846" r:id="rId11"/>
   </p:sldIdLst>
   <p:sldSz cx="12192000" cy="6858000"/>
   <p:notesSz cx="6888163" cy="10020300"/>
@@ -962,7 +963,7 @@
                 </a:solidFill>
               </a:rPr>
               <a:pPr/>
-              <a:t>4</a:t>
+              <a:t>5</a:t>
             </a:fld>
             <a:endParaRPr lang="en-GB">
               <a:solidFill>
@@ -1051,7 +1052,7 @@
             <a:fld id="{0A985251-508B-410E-B0E3-9C0ADE668718}" type="slidenum">
               <a:rPr lang="en-GB" smtClean="0"/>
               <a:pPr/>
-              <a:t>5</a:t>
+              <a:t>6</a:t>
             </a:fld>
             <a:endParaRPr lang="en-GB" dirty="0"/>
           </a:p>
@@ -1147,7 +1148,7 @@
                 </a:solidFill>
               </a:rPr>
               <a:pPr/>
-              <a:t>6</a:t>
+              <a:t>7</a:t>
             </a:fld>
             <a:endParaRPr lang="en-GB">
               <a:solidFill>
@@ -4852,14 +4853,14 @@
           <a:effectLst/>
           <a:extLst>
             <a:ext uri="{909E8E84-426E-40dd-AFC4-6F175D3DCCD1}">
-              <a14:hiddenFill xmlns="" xmlns:a14="http://schemas.microsoft.com/office/drawing/2010/main">
+              <a14:hiddenFill xmlns:a14="http://schemas.microsoft.com/office/drawing/2010/main" xmlns="">
                 <a:solidFill>
                   <a:schemeClr val="accent1"/>
                 </a:solidFill>
               </a14:hiddenFill>
             </a:ext>
             <a:ext uri="{91240B29-F687-4f45-9708-019B960494DF}">
-              <a14:hiddenLine xmlns="" xmlns:a14="http://schemas.microsoft.com/office/drawing/2010/main" w="9525">
+              <a14:hiddenLine xmlns:a14="http://schemas.microsoft.com/office/drawing/2010/main" xmlns="" w="9525">
                 <a:solidFill>
                   <a:schemeClr val="tx1"/>
                 </a:solidFill>
@@ -4869,7 +4870,7 @@
               </a14:hiddenLine>
             </a:ext>
             <a:ext uri="{AF507438-7753-43e0-B8FC-AC1667EBCBE1}">
-              <a14:hiddenEffects xmlns="" xmlns:a14="http://schemas.microsoft.com/office/drawing/2010/main">
+              <a14:hiddenEffects xmlns:a14="http://schemas.microsoft.com/office/drawing/2010/main" xmlns="">
                 <a:effectLst>
                   <a:outerShdw dist="35921" dir="2700000" algn="ctr" rotWithShape="0">
                     <a:schemeClr val="bg2"/>
@@ -5483,14 +5484,14 @@
           <a:effectLst/>
           <a:extLst>
             <a:ext uri="{909E8E84-426E-40dd-AFC4-6F175D3DCCD1}">
-              <a14:hiddenFill xmlns="" xmlns:a14="http://schemas.microsoft.com/office/drawing/2010/main">
+              <a14:hiddenFill xmlns:a14="http://schemas.microsoft.com/office/drawing/2010/main" xmlns="">
                 <a:solidFill>
                   <a:schemeClr val="accent1"/>
                 </a:solidFill>
               </a14:hiddenFill>
             </a:ext>
             <a:ext uri="{91240B29-F687-4f45-9708-019B960494DF}">
-              <a14:hiddenLine xmlns="" xmlns:a14="http://schemas.microsoft.com/office/drawing/2010/main" w="9525">
+              <a14:hiddenLine xmlns:a14="http://schemas.microsoft.com/office/drawing/2010/main" xmlns="" w="9525">
                 <a:solidFill>
                   <a:schemeClr val="tx1"/>
                 </a:solidFill>
@@ -5500,7 +5501,7 @@
               </a14:hiddenLine>
             </a:ext>
             <a:ext uri="{AF507438-7753-43e0-B8FC-AC1667EBCBE1}">
-              <a14:hiddenEffects xmlns="" xmlns:a14="http://schemas.microsoft.com/office/drawing/2010/main">
+              <a14:hiddenEffects xmlns:a14="http://schemas.microsoft.com/office/drawing/2010/main" xmlns="">
                 <a:effectLst>
                   <a:outerShdw dist="35921" dir="2700000" algn="ctr" rotWithShape="0">
                     <a:schemeClr val="bg2"/>
@@ -5887,14 +5888,14 @@
           <a:effectLst/>
           <a:extLst>
             <a:ext uri="{909E8E84-426E-40dd-AFC4-6F175D3DCCD1}">
-              <a14:hiddenFill xmlns="" xmlns:a14="http://schemas.microsoft.com/office/drawing/2010/main">
+              <a14:hiddenFill xmlns:a14="http://schemas.microsoft.com/office/drawing/2010/main" xmlns="">
                 <a:solidFill>
                   <a:schemeClr val="accent1"/>
                 </a:solidFill>
               </a14:hiddenFill>
             </a:ext>
             <a:ext uri="{91240B29-F687-4f45-9708-019B960494DF}">
-              <a14:hiddenLine xmlns="" xmlns:a14="http://schemas.microsoft.com/office/drawing/2010/main" w="9525">
+              <a14:hiddenLine xmlns:a14="http://schemas.microsoft.com/office/drawing/2010/main" xmlns="" w="9525">
                 <a:solidFill>
                   <a:schemeClr val="tx1"/>
                 </a:solidFill>
@@ -5904,7 +5905,7 @@
               </a14:hiddenLine>
             </a:ext>
             <a:ext uri="{AF507438-7753-43e0-B8FC-AC1667EBCBE1}">
-              <a14:hiddenEffects xmlns="" xmlns:a14="http://schemas.microsoft.com/office/drawing/2010/main">
+              <a14:hiddenEffects xmlns:a14="http://schemas.microsoft.com/office/drawing/2010/main" xmlns="">
                 <a:effectLst>
                   <a:outerShdw dist="35921" dir="2700000" algn="ctr" rotWithShape="0">
                     <a:schemeClr val="bg2"/>
@@ -6457,14 +6458,14 @@
           <a:effectLst/>
           <a:extLst>
             <a:ext uri="{909E8E84-426E-40dd-AFC4-6F175D3DCCD1}">
-              <a14:hiddenFill xmlns="" xmlns:a14="http://schemas.microsoft.com/office/drawing/2010/main">
+              <a14:hiddenFill xmlns:a14="http://schemas.microsoft.com/office/drawing/2010/main" xmlns="">
                 <a:solidFill>
                   <a:schemeClr val="accent1"/>
                 </a:solidFill>
               </a14:hiddenFill>
             </a:ext>
             <a:ext uri="{91240B29-F687-4f45-9708-019B960494DF}">
-              <a14:hiddenLine xmlns="" xmlns:a14="http://schemas.microsoft.com/office/drawing/2010/main" w="9525">
+              <a14:hiddenLine xmlns:a14="http://schemas.microsoft.com/office/drawing/2010/main" xmlns="" w="9525">
                 <a:solidFill>
                   <a:schemeClr val="tx1"/>
                 </a:solidFill>
@@ -6474,7 +6475,7 @@
               </a14:hiddenLine>
             </a:ext>
             <a:ext uri="{AF507438-7753-43e0-B8FC-AC1667EBCBE1}">
-              <a14:hiddenEffects xmlns="" xmlns:a14="http://schemas.microsoft.com/office/drawing/2010/main">
+              <a14:hiddenEffects xmlns:a14="http://schemas.microsoft.com/office/drawing/2010/main" xmlns="">
                 <a:effectLst>
                   <a:outerShdw dist="35921" dir="2700000" algn="ctr" rotWithShape="0">
                     <a:schemeClr val="bg2"/>
@@ -6867,14 +6868,14 @@
           <a:effectLst/>
           <a:extLst>
             <a:ext uri="{909E8E84-426E-40dd-AFC4-6F175D3DCCD1}">
-              <a14:hiddenFill xmlns="" xmlns:a14="http://schemas.microsoft.com/office/drawing/2010/main">
+              <a14:hiddenFill xmlns:a14="http://schemas.microsoft.com/office/drawing/2010/main" xmlns="">
                 <a:solidFill>
                   <a:schemeClr val="accent1"/>
                 </a:solidFill>
               </a14:hiddenFill>
             </a:ext>
             <a:ext uri="{91240B29-F687-4f45-9708-019B960494DF}">
-              <a14:hiddenLine xmlns="" xmlns:a14="http://schemas.microsoft.com/office/drawing/2010/main" w="9525">
+              <a14:hiddenLine xmlns:a14="http://schemas.microsoft.com/office/drawing/2010/main" xmlns="" w="9525">
                 <a:solidFill>
                   <a:schemeClr val="tx1"/>
                 </a:solidFill>
@@ -6884,7 +6885,7 @@
               </a14:hiddenLine>
             </a:ext>
             <a:ext uri="{AF507438-7753-43e0-B8FC-AC1667EBCBE1}">
-              <a14:hiddenEffects xmlns="" xmlns:a14="http://schemas.microsoft.com/office/drawing/2010/main">
+              <a14:hiddenEffects xmlns:a14="http://schemas.microsoft.com/office/drawing/2010/main" xmlns="">
                 <a:effectLst>
                   <a:outerShdw dist="35921" dir="2700000" algn="ctr" rotWithShape="0">
                     <a:schemeClr val="bg2"/>
@@ -7150,14 +7151,14 @@
           <a:effectLst/>
           <a:extLst>
             <a:ext uri="{909E8E84-426E-40dd-AFC4-6F175D3DCCD1}">
-              <a14:hiddenFill xmlns="" xmlns:a14="http://schemas.microsoft.com/office/drawing/2010/main">
+              <a14:hiddenFill xmlns:a14="http://schemas.microsoft.com/office/drawing/2010/main" xmlns="">
                 <a:solidFill>
                   <a:schemeClr val="accent1"/>
                 </a:solidFill>
               </a14:hiddenFill>
             </a:ext>
             <a:ext uri="{91240B29-F687-4f45-9708-019B960494DF}">
-              <a14:hiddenLine xmlns="" xmlns:a14="http://schemas.microsoft.com/office/drawing/2010/main" w="9525">
+              <a14:hiddenLine xmlns:a14="http://schemas.microsoft.com/office/drawing/2010/main" xmlns="" w="9525">
                 <a:solidFill>
                   <a:schemeClr val="tx1"/>
                 </a:solidFill>
@@ -7167,7 +7168,7 @@
               </a14:hiddenLine>
             </a:ext>
             <a:ext uri="{AF507438-7753-43e0-B8FC-AC1667EBCBE1}">
-              <a14:hiddenEffects xmlns="" xmlns:a14="http://schemas.microsoft.com/office/drawing/2010/main">
+              <a14:hiddenEffects xmlns:a14="http://schemas.microsoft.com/office/drawing/2010/main" xmlns="">
                 <a:effectLst>
                   <a:outerShdw dist="35921" dir="2700000" algn="ctr" rotWithShape="0">
                     <a:schemeClr val="bg2"/>
@@ -8510,14 +8511,14 @@
           <a:effectLst/>
           <a:extLst>
             <a:ext uri="{909E8E84-426E-40dd-AFC4-6F175D3DCCD1}">
-              <a14:hiddenFill xmlns="" xmlns:a14="http://schemas.microsoft.com/office/drawing/2010/main">
+              <a14:hiddenFill xmlns:a14="http://schemas.microsoft.com/office/drawing/2010/main" xmlns="">
                 <a:solidFill>
                   <a:schemeClr val="accent1"/>
                 </a:solidFill>
               </a14:hiddenFill>
             </a:ext>
             <a:ext uri="{91240B29-F687-4f45-9708-019B960494DF}">
-              <a14:hiddenLine xmlns="" xmlns:a14="http://schemas.microsoft.com/office/drawing/2010/main" w="9525">
+              <a14:hiddenLine xmlns:a14="http://schemas.microsoft.com/office/drawing/2010/main" xmlns="" w="9525">
                 <a:solidFill>
                   <a:schemeClr val="tx1"/>
                 </a:solidFill>
@@ -8527,7 +8528,7 @@
               </a14:hiddenLine>
             </a:ext>
             <a:ext uri="{AF507438-7753-43e0-B8FC-AC1667EBCBE1}">
-              <a14:hiddenEffects xmlns="" xmlns:a14="http://schemas.microsoft.com/office/drawing/2010/main">
+              <a14:hiddenEffects xmlns:a14="http://schemas.microsoft.com/office/drawing/2010/main" xmlns="">
                 <a:effectLst>
                   <a:outerShdw dist="35921" dir="2700000" algn="ctr" rotWithShape="0">
                     <a:schemeClr val="bg2"/>
@@ -19036,14 +19037,14 @@
           <a:effectLst/>
           <a:extLst>
             <a:ext uri="{909E8E84-426E-40dd-AFC4-6F175D3DCCD1}">
-              <a14:hiddenFill xmlns="" xmlns:a14="http://schemas.microsoft.com/office/drawing/2010/main">
+              <a14:hiddenFill xmlns:a14="http://schemas.microsoft.com/office/drawing/2010/main" xmlns="">
                 <a:solidFill>
                   <a:schemeClr val="accent1"/>
                 </a:solidFill>
               </a14:hiddenFill>
             </a:ext>
             <a:ext uri="{91240B29-F687-4f45-9708-019B960494DF}">
-              <a14:hiddenLine xmlns="" xmlns:a14="http://schemas.microsoft.com/office/drawing/2010/main" w="9525">
+              <a14:hiddenLine xmlns:a14="http://schemas.microsoft.com/office/drawing/2010/main" xmlns="" w="9525">
                 <a:solidFill>
                   <a:schemeClr val="tx1"/>
                 </a:solidFill>
@@ -19053,7 +19054,7 @@
               </a14:hiddenLine>
             </a:ext>
             <a:ext uri="{AF507438-7753-43e0-B8FC-AC1667EBCBE1}">
-              <a14:hiddenEffects xmlns="" xmlns:a14="http://schemas.microsoft.com/office/drawing/2010/main">
+              <a14:hiddenEffects xmlns:a14="http://schemas.microsoft.com/office/drawing/2010/main" xmlns="">
                 <a:effectLst>
                   <a:outerShdw dist="35921" dir="2700000" algn="ctr" rotWithShape="0">
                     <a:schemeClr val="bg2"/>
@@ -20263,14 +20264,14 @@
           <a:effectLst/>
           <a:extLst>
             <a:ext uri="{909E8E84-426E-40dd-AFC4-6F175D3DCCD1}">
-              <a14:hiddenFill xmlns="" xmlns:a14="http://schemas.microsoft.com/office/drawing/2010/main">
+              <a14:hiddenFill xmlns:a14="http://schemas.microsoft.com/office/drawing/2010/main" xmlns="">
                 <a:solidFill>
                   <a:schemeClr val="accent1"/>
                 </a:solidFill>
               </a14:hiddenFill>
             </a:ext>
             <a:ext uri="{91240B29-F687-4f45-9708-019B960494DF}">
-              <a14:hiddenLine xmlns="" xmlns:a14="http://schemas.microsoft.com/office/drawing/2010/main" w="9525">
+              <a14:hiddenLine xmlns:a14="http://schemas.microsoft.com/office/drawing/2010/main" xmlns="" w="9525">
                 <a:solidFill>
                   <a:schemeClr val="tx1"/>
                 </a:solidFill>
@@ -20280,7 +20281,7 @@
               </a14:hiddenLine>
             </a:ext>
             <a:ext uri="{AF507438-7753-43e0-B8FC-AC1667EBCBE1}">
-              <a14:hiddenEffects xmlns="" xmlns:a14="http://schemas.microsoft.com/office/drawing/2010/main">
+              <a14:hiddenEffects xmlns:a14="http://schemas.microsoft.com/office/drawing/2010/main" xmlns="">
                 <a:effectLst>
                   <a:outerShdw dist="35921" dir="2700000" algn="ctr" rotWithShape="0">
                     <a:schemeClr val="bg2"/>
@@ -20554,14 +20555,14 @@
           <a:effectLst/>
           <a:extLst>
             <a:ext uri="{909E8E84-426E-40dd-AFC4-6F175D3DCCD1}">
-              <a14:hiddenFill xmlns="" xmlns:a14="http://schemas.microsoft.com/office/drawing/2010/main">
+              <a14:hiddenFill xmlns:a14="http://schemas.microsoft.com/office/drawing/2010/main" xmlns="">
                 <a:solidFill>
                   <a:schemeClr val="accent1"/>
                 </a:solidFill>
               </a14:hiddenFill>
             </a:ext>
             <a:ext uri="{91240B29-F687-4f45-9708-019B960494DF}">
-              <a14:hiddenLine xmlns="" xmlns:a14="http://schemas.microsoft.com/office/drawing/2010/main" w="9525">
+              <a14:hiddenLine xmlns:a14="http://schemas.microsoft.com/office/drawing/2010/main" xmlns="" w="9525">
                 <a:solidFill>
                   <a:schemeClr val="tx1"/>
                 </a:solidFill>
@@ -20571,7 +20572,7 @@
               </a14:hiddenLine>
             </a:ext>
             <a:ext uri="{AF507438-7753-43e0-B8FC-AC1667EBCBE1}">
-              <a14:hiddenEffects xmlns="" xmlns:a14="http://schemas.microsoft.com/office/drawing/2010/main">
+              <a14:hiddenEffects xmlns:a14="http://schemas.microsoft.com/office/drawing/2010/main" xmlns="">
                 <a:effectLst>
                   <a:outerShdw dist="35921" dir="2700000" algn="ctr" rotWithShape="0">
                     <a:schemeClr val="bg2"/>
@@ -23027,7 +23028,7 @@
                   <a:schemeClr val="bg1"/>
                 </a:solidFill>
               </a:rPr>
-              <a:t> sensors to automate task or to giv</a:t>
+              <a:t> sensors to automate task or to give control to users.</a:t>
             </a:r>
             <a:r>
               <a:rPr lang="en-GB" dirty="0" smtClean="0">
@@ -23035,7 +23036,7 @@
                   <a:schemeClr val="bg1"/>
                 </a:solidFill>
               </a:rPr>
-              <a:t>e control to users.</a:t>
+              <a:t/>
             </a:r>
             <a:br>
               <a:rPr lang="en-GB" dirty="0" smtClean="0">
@@ -23251,50 +23252,36 @@
           <a:bodyPr/>
           <a:lstStyle/>
           <a:p>
-            <a:endParaRPr lang="en-GB" dirty="0" smtClean="0"/>
-          </a:p>
-          <a:p>
-            <a:r>
-              <a:rPr lang="en-GB" dirty="0" smtClean="0"/>
-              <a:t>Describe </a:t>
-            </a:r>
-            <a:r>
-              <a:rPr lang="en-GB" dirty="0" smtClean="0"/>
-              <a:t>the concept</a:t>
-            </a:r>
-          </a:p>
-          <a:p>
-            <a:endParaRPr lang="en-GB" dirty="0" smtClean="0"/>
-          </a:p>
-          <a:p>
-            <a:r>
-              <a:rPr lang="en-GB" dirty="0" smtClean="0"/>
-              <a:t>Think about:</a:t>
-            </a:r>
-          </a:p>
-          <a:p>
-            <a:endParaRPr lang="en-GB" dirty="0"/>
-          </a:p>
-          <a:p>
-            <a:r>
-              <a:rPr lang="en-GB" dirty="0" smtClean="0"/>
-              <a:t>What was the inspiration behind the idea?</a:t>
-            </a:r>
-          </a:p>
-          <a:p>
-            <a:r>
-              <a:rPr lang="en-GB" dirty="0" smtClean="0"/>
-              <a:t>What is the problem you’re trying to solve?</a:t>
-            </a:r>
-          </a:p>
-          <a:p>
-            <a:r>
-              <a:rPr lang="en-GB" dirty="0" smtClean="0"/>
-              <a:t>How does your solution solve it?</a:t>
-            </a:r>
-          </a:p>
-          <a:p>
-            <a:endParaRPr lang="en-GB" dirty="0" smtClean="0"/>
+            <a:pPr marL="457200" indent="-457200">
+              <a:buFont typeface="Arial" panose="020B0604020202020204" pitchFamily="34" charset="0"/>
+              <a:buChar char="•"/>
+            </a:pPr>
+            <a:r>
+              <a:rPr lang="en-GB" sz="2800" dirty="0" smtClean="0"/>
+              <a:t>Idea is to make generic solution using sensors like ultrasound, beacon and relays to control things in environment in different scenarios w</a:t>
+            </a:r>
+            <a:r>
+              <a:rPr lang="en-GB" sz="2800" dirty="0" smtClean="0"/>
+              <a:t>ith the power of Google voice and Machine learning.</a:t>
+            </a:r>
+          </a:p>
+          <a:p>
+            <a:pPr marL="457200" indent="-457200">
+              <a:buFont typeface="Arial" panose="020B0604020202020204" pitchFamily="34" charset="0"/>
+              <a:buChar char="•"/>
+            </a:pPr>
+            <a:r>
+              <a:rPr lang="en-GB" sz="2800" dirty="0" smtClean="0"/>
+              <a:t>For this event, we have focussed on proposing better ways of resource management in the work environment using a variety of sensors.</a:t>
+            </a:r>
+            <a:endParaRPr lang="en-GB" sz="2800" dirty="0"/>
+          </a:p>
+          <a:p>
+            <a:pPr marL="457200" indent="-457200">
+              <a:buFont typeface="Arial" panose="020B0604020202020204" pitchFamily="34" charset="0"/>
+              <a:buChar char="•"/>
+            </a:pPr>
+            <a:endParaRPr lang="en-GB" sz="2800" dirty="0" smtClean="0"/>
           </a:p>
         </p:txBody>
       </p:sp>
@@ -23437,52 +23424,84 @@
           <a:lstStyle/>
           <a:p>
             <a:r>
-              <a:rPr lang="en-GB" dirty="0" smtClean="0"/>
-              <a:t>Explain how your solution demonstrate how Sage could leverage the Internet of Things to deliver Smart, Connected Business Solutions?</a:t>
-            </a:r>
-          </a:p>
-          <a:p>
-            <a:endParaRPr lang="en-GB" dirty="0"/>
-          </a:p>
-          <a:p>
-            <a:r>
-              <a:rPr lang="en-GB" dirty="0" smtClean="0"/>
-              <a:t>Explain how your solution fits into one or more of the hackathon category(s): </a:t>
-            </a:r>
-          </a:p>
-          <a:p>
-            <a:endParaRPr lang="en-GB" dirty="0"/>
-          </a:p>
-          <a:p>
-            <a:pPr marL="457200" indent="-457200">
-              <a:buFontTx/>
-              <a:buChar char="-"/>
-            </a:pPr>
-            <a:r>
-              <a:rPr lang="en-GB" dirty="0" smtClean="0"/>
-              <a:t>Sage X3 Smart Solution</a:t>
-            </a:r>
-          </a:p>
-          <a:p>
-            <a:pPr marL="457200" indent="-457200">
-              <a:buFontTx/>
-              <a:buChar char="-"/>
-            </a:pPr>
-            <a:r>
-              <a:rPr lang="en-GB" dirty="0" smtClean="0"/>
-              <a:t>One Sage</a:t>
-            </a:r>
-          </a:p>
-          <a:p>
-            <a:pPr marL="457200" indent="-457200">
-              <a:buFontTx/>
-              <a:buChar char="-"/>
-            </a:pPr>
-            <a:r>
-              <a:rPr lang="en-GB" dirty="0" smtClean="0"/>
-              <a:t>Partner Solution</a:t>
-            </a:r>
-            <a:endParaRPr lang="en-GB" dirty="0"/>
+              <a:rPr lang="en-GB" sz="2000" b="1" dirty="0"/>
+              <a:t>Who is our customer base</a:t>
+            </a:r>
+            <a:r>
+              <a:rPr lang="en-GB" sz="2000" dirty="0"/>
+              <a:t>?</a:t>
+            </a:r>
+            <a:br>
+              <a:rPr lang="en-GB" sz="2000" dirty="0"/>
+            </a:br>
+            <a:r>
+              <a:rPr lang="en-GB" sz="2000" dirty="0"/>
+              <a:t>Our customers are small and medium enterprises who want to use the latest technology to harness their </a:t>
+            </a:r>
+            <a:r>
+              <a:rPr lang="en-GB" sz="2000" dirty="0" smtClean="0"/>
+              <a:t>business needs.</a:t>
+            </a:r>
+          </a:p>
+          <a:p>
+            <a:endParaRPr lang="en-GB" sz="2000" dirty="0"/>
+          </a:p>
+          <a:p>
+            <a:r>
+              <a:rPr lang="en-GB" sz="2000" b="1" dirty="0" smtClean="0"/>
+              <a:t>Our Aim</a:t>
+            </a:r>
+          </a:p>
+          <a:p>
+            <a:r>
+              <a:rPr lang="en-GB" sz="2000" dirty="0" smtClean="0"/>
+              <a:t>The </a:t>
+            </a:r>
+            <a:r>
+              <a:rPr lang="en-GB" sz="2000" dirty="0"/>
+              <a:t>main function of </a:t>
+            </a:r>
+            <a:r>
+              <a:rPr lang="en-GB" sz="2000" dirty="0" smtClean="0"/>
+              <a:t>our system will </a:t>
+            </a:r>
+            <a:r>
+              <a:rPr lang="en-GB" sz="2000" dirty="0"/>
+              <a:t>allow employees to customise their working environment in many ways by tracking their individual movement and connecting their working experience to the </a:t>
+            </a:r>
+            <a:r>
+              <a:rPr lang="en-GB" sz="2000" dirty="0" smtClean="0"/>
+              <a:t>IOT,  </a:t>
+            </a:r>
+            <a:r>
+              <a:rPr lang="en-GB" sz="2000" dirty="0"/>
+              <a:t>a</a:t>
+            </a:r>
+            <a:r>
+              <a:rPr lang="en-GB" sz="2000" dirty="0" smtClean="0"/>
+              <a:t>s </a:t>
+            </a:r>
+            <a:r>
+              <a:rPr lang="en-GB" sz="2000" dirty="0"/>
+              <a:t>well </a:t>
+            </a:r>
+            <a:r>
+              <a:rPr lang="en-GB" sz="2000" dirty="0" smtClean="0"/>
+              <a:t>as </a:t>
+            </a:r>
+            <a:r>
+              <a:rPr lang="en-GB" sz="2000" dirty="0"/>
+              <a:t>developing the app to track time management, employee safety (fire drills </a:t>
+            </a:r>
+            <a:r>
+              <a:rPr lang="en-GB" sz="2000" dirty="0" err="1"/>
+              <a:t>etc</a:t>
+            </a:r>
+            <a:r>
+              <a:rPr lang="en-GB" sz="2000" dirty="0" smtClean="0"/>
+              <a:t>).</a:t>
+            </a:r>
+            <a:endParaRPr lang="en-GB" sz="2000" dirty="0"/>
           </a:p>
         </p:txBody>
       </p:sp>
@@ -23602,6 +23621,264 @@
           <a:lstStyle/>
           <a:p>
             <a:r>
+              <a:rPr lang="en-GB" dirty="0" smtClean="0"/>
+              <a:t>For this Hackathon</a:t>
+            </a:r>
+            <a:endParaRPr lang="en-GB" dirty="0"/>
+          </a:p>
+        </p:txBody>
+      </p:sp>
+      <p:sp>
+        <p:nvSpPr>
+          <p:cNvPr id="3" name="Content Placeholder 2"/>
+          <p:cNvSpPr>
+            <a:spLocks noGrp="1"/>
+          </p:cNvSpPr>
+          <p:nvPr>
+            <p:ph idx="1"/>
+          </p:nvPr>
+        </p:nvSpPr>
+        <p:spPr/>
+        <p:txBody>
+          <a:bodyPr/>
+          <a:lstStyle/>
+          <a:p>
+            <a:pPr marL="457200" indent="-457200">
+              <a:buFont typeface="Arial" panose="020B0604020202020204" pitchFamily="34" charset="0"/>
+              <a:buChar char="•"/>
+            </a:pPr>
+            <a:r>
+              <a:rPr lang="en-GB" sz="2000" dirty="0" smtClean="0"/>
+              <a:t>We focused on meeting room scenario and developed an android app.</a:t>
+            </a:r>
+          </a:p>
+          <a:p>
+            <a:pPr marL="817024" lvl="1" indent="-457200"/>
+            <a:r>
+              <a:rPr lang="en-GB" sz="2000" dirty="0" smtClean="0"/>
+              <a:t>Features</a:t>
+            </a:r>
+          </a:p>
+          <a:p>
+            <a:pPr marL="1297496" lvl="2" indent="-457200"/>
+            <a:r>
+              <a:rPr lang="en-GB" sz="2000" dirty="0"/>
+              <a:t>employees will be able to book, </a:t>
+            </a:r>
+            <a:endParaRPr lang="en-GB" sz="2000" dirty="0" smtClean="0"/>
+          </a:p>
+          <a:p>
+            <a:pPr marL="1297496" lvl="2" indent="-457200"/>
+            <a:r>
+              <a:rPr lang="en-GB" sz="2000" dirty="0" smtClean="0"/>
+              <a:t>set </a:t>
+            </a:r>
+            <a:r>
+              <a:rPr lang="en-GB" sz="2000" dirty="0"/>
+              <a:t>up rooms and invite other users. </a:t>
+            </a:r>
+            <a:endParaRPr lang="en-GB" sz="2000" dirty="0" smtClean="0"/>
+          </a:p>
+          <a:p>
+            <a:pPr marL="1297496" lvl="2" indent="-457200"/>
+            <a:r>
+              <a:rPr lang="en-GB" sz="2000" dirty="0" smtClean="0"/>
+              <a:t>This </a:t>
+            </a:r>
+            <a:r>
+              <a:rPr lang="en-GB" sz="2000" dirty="0"/>
+              <a:t>will add an interactive experience around meetings, the delivery of meetings and the management of employees within that meeting </a:t>
+            </a:r>
+            <a:r>
+              <a:rPr lang="en-GB" sz="2000" dirty="0" smtClean="0"/>
+              <a:t>room. </a:t>
+            </a:r>
+          </a:p>
+          <a:p>
+            <a:pPr marL="1297496" lvl="2" indent="-457200"/>
+            <a:r>
+              <a:rPr lang="en-GB" sz="2000" dirty="0" smtClean="0"/>
+              <a:t>This </a:t>
+            </a:r>
+            <a:r>
+              <a:rPr lang="en-GB" sz="2000" dirty="0"/>
+              <a:t>particular function will cater for the host of a meeting who will be able to manage the room and a particular room set up</a:t>
+            </a:r>
+            <a:r>
+              <a:rPr lang="en-GB" sz="2000" dirty="0" smtClean="0"/>
+              <a:t>.</a:t>
+            </a:r>
+          </a:p>
+          <a:p>
+            <a:pPr marL="817024" lvl="1" indent="-457200"/>
+            <a:r>
+              <a:rPr lang="en-GB" sz="2000" dirty="0"/>
+              <a:t>Integrated </a:t>
+            </a:r>
+            <a:r>
+              <a:rPr lang="en-GB" sz="2000" dirty="0" smtClean="0"/>
+              <a:t>Bluetooth beacon </a:t>
+            </a:r>
+            <a:r>
+              <a:rPr lang="en-GB" sz="2000" dirty="0"/>
+              <a:t>technology to monitor </a:t>
+            </a:r>
+            <a:r>
+              <a:rPr lang="en-GB" sz="2000" dirty="0" smtClean="0"/>
+              <a:t>employee’s movement while providing easy way of controlling the environment.</a:t>
+            </a:r>
+            <a:endParaRPr lang="en-GB" sz="2000" dirty="0"/>
+          </a:p>
+        </p:txBody>
+      </p:sp>
+      <p:sp>
+        <p:nvSpPr>
+          <p:cNvPr id="4" name="Date Placeholder 3"/>
+          <p:cNvSpPr>
+            <a:spLocks noGrp="1"/>
+          </p:cNvSpPr>
+          <p:nvPr>
+            <p:ph type="dt" sz="half" idx="10"/>
+          </p:nvPr>
+        </p:nvSpPr>
+        <p:spPr/>
+        <p:txBody>
+          <a:bodyPr/>
+          <a:lstStyle/>
+          <a:p>
+            <a:fld id="{663A30A6-FE50-4A54-801F-A336517E9AAC}" type="datetime3">
+              <a:rPr lang="en-US" smtClean="0">
+                <a:solidFill>
+                  <a:prstClr val="black"/>
+                </a:solidFill>
+              </a:rPr>
+              <a:pPr/>
+              <a:t>5 July 2016</a:t>
+            </a:fld>
+            <a:endParaRPr lang="en-GB">
+              <a:solidFill>
+                <a:prstClr val="black"/>
+              </a:solidFill>
+            </a:endParaRPr>
+          </a:p>
+        </p:txBody>
+      </p:sp>
+      <p:sp>
+        <p:nvSpPr>
+          <p:cNvPr id="5" name="Footer Placeholder 4"/>
+          <p:cNvSpPr>
+            <a:spLocks noGrp="1"/>
+          </p:cNvSpPr>
+          <p:nvPr>
+            <p:ph type="ftr" sz="quarter" idx="11"/>
+          </p:nvPr>
+        </p:nvSpPr>
+        <p:spPr/>
+        <p:txBody>
+          <a:bodyPr/>
+          <a:lstStyle/>
+          <a:p>
+            <a:r>
+              <a:rPr lang="en-GB" smtClean="0">
+                <a:solidFill>
+                  <a:prstClr val="black"/>
+                </a:solidFill>
+              </a:rPr>
+              <a:t>Sage UKI Hackathon</a:t>
+            </a:r>
+            <a:endParaRPr lang="en-GB" dirty="0">
+              <a:solidFill>
+                <a:prstClr val="black"/>
+              </a:solidFill>
+            </a:endParaRPr>
+          </a:p>
+        </p:txBody>
+      </p:sp>
+      <p:sp>
+        <p:nvSpPr>
+          <p:cNvPr id="6" name="Slide Number Placeholder 5"/>
+          <p:cNvSpPr>
+            <a:spLocks noGrp="1"/>
+          </p:cNvSpPr>
+          <p:nvPr>
+            <p:ph type="sldNum" sz="quarter" idx="12"/>
+          </p:nvPr>
+        </p:nvSpPr>
+        <p:spPr/>
+        <p:txBody>
+          <a:bodyPr/>
+          <a:lstStyle/>
+          <a:p>
+            <a:fld id="{5C173A23-9EAF-448F-A700-9AC7A106503C}" type="slidenum">
+              <a:rPr lang="en-GB" smtClean="0">
+                <a:solidFill>
+                  <a:prstClr val="black"/>
+                </a:solidFill>
+              </a:rPr>
+              <a:pPr/>
+              <a:t>4</a:t>
+            </a:fld>
+            <a:endParaRPr lang="en-GB">
+              <a:solidFill>
+                <a:prstClr val="black"/>
+              </a:solidFill>
+            </a:endParaRPr>
+          </a:p>
+        </p:txBody>
+      </p:sp>
+    </p:spTree>
+    <p:extLst>
+      <p:ext uri="{BB962C8B-B14F-4D97-AF65-F5344CB8AC3E}">
+        <p14:creationId xmlns:p14="http://schemas.microsoft.com/office/powerpoint/2010/main" val="1765303049"/>
+      </p:ext>
+    </p:extLst>
+  </p:cSld>
+  <p:clrMapOvr>
+    <a:masterClrMapping/>
+  </p:clrMapOvr>
+  <p:timing>
+    <p:tnLst>
+      <p:par>
+        <p:cTn id="1" dur="indefinite" restart="never" nodeType="tmRoot"/>
+      </p:par>
+    </p:tnLst>
+  </p:timing>
+</p:sld>
+</file>
+
+<file path=ppt/slides/slide5.xml><?xml version="1.0" encoding="utf-8"?>
+<p:sld xmlns:a="http://schemas.openxmlformats.org/drawingml/2006/main" xmlns:r="http://schemas.openxmlformats.org/officeDocument/2006/relationships" xmlns:p="http://schemas.openxmlformats.org/presentationml/2006/main">
+  <p:cSld>
+    <p:spTree>
+      <p:nvGrpSpPr>
+        <p:cNvPr id="1" name=""/>
+        <p:cNvGrpSpPr/>
+        <p:nvPr/>
+      </p:nvGrpSpPr>
+      <p:grpSpPr>
+        <a:xfrm>
+          <a:off x="0" y="0"/>
+          <a:ext cx="0" cy="0"/>
+          <a:chOff x="0" y="0"/>
+          <a:chExt cx="0" cy="0"/>
+        </a:xfrm>
+      </p:grpSpPr>
+      <p:sp>
+        <p:nvSpPr>
+          <p:cNvPr id="2" name="Title 1"/>
+          <p:cNvSpPr>
+            <a:spLocks noGrp="1"/>
+          </p:cNvSpPr>
+          <p:nvPr>
+            <p:ph type="title"/>
+          </p:nvPr>
+        </p:nvSpPr>
+        <p:spPr/>
+        <p:txBody>
+          <a:bodyPr/>
+          <a:lstStyle/>
+          <a:p>
+            <a:r>
               <a:rPr lang="en-GB" dirty="0" smtClean="0">
                 <a:solidFill>
                   <a:schemeClr val="accent1"/>
@@ -23720,7 +23997,7 @@
                 </a:solidFill>
               </a:rPr>
               <a:pPr/>
-              <a:t>4</a:t>
+              <a:t>5</a:t>
             </a:fld>
             <a:endParaRPr lang="en-GB">
               <a:solidFill>
@@ -23780,188 +24057,6 @@
 </p:sld>
 </file>
 
-<file path=ppt/slides/slide5.xml><?xml version="1.0" encoding="utf-8"?>
-<p:sld xmlns:a="http://schemas.openxmlformats.org/drawingml/2006/main" xmlns:r="http://schemas.openxmlformats.org/officeDocument/2006/relationships" xmlns:p="http://schemas.openxmlformats.org/presentationml/2006/main">
-  <p:cSld>
-    <p:spTree>
-      <p:nvGrpSpPr>
-        <p:cNvPr id="1" name=""/>
-        <p:cNvGrpSpPr/>
-        <p:nvPr/>
-      </p:nvGrpSpPr>
-      <p:grpSpPr>
-        <a:xfrm>
-          <a:off x="0" y="0"/>
-          <a:ext cx="0" cy="0"/>
-          <a:chOff x="0" y="0"/>
-          <a:chExt cx="0" cy="0"/>
-        </a:xfrm>
-      </p:grpSpPr>
-      <p:sp>
-        <p:nvSpPr>
-          <p:cNvPr id="2" name="Title 1"/>
-          <p:cNvSpPr>
-            <a:spLocks noGrp="1"/>
-          </p:cNvSpPr>
-          <p:nvPr>
-            <p:ph type="title"/>
-          </p:nvPr>
-        </p:nvSpPr>
-        <p:spPr/>
-        <p:txBody>
-          <a:bodyPr/>
-          <a:lstStyle/>
-          <a:p>
-            <a:r>
-              <a:rPr lang="en-GB" dirty="0" smtClean="0"/>
-              <a:t>Summary</a:t>
-            </a:r>
-            <a:endParaRPr lang="en-GB" dirty="0"/>
-          </a:p>
-        </p:txBody>
-      </p:sp>
-      <p:sp>
-        <p:nvSpPr>
-          <p:cNvPr id="3" name="Content Placeholder 2"/>
-          <p:cNvSpPr>
-            <a:spLocks noGrp="1"/>
-          </p:cNvSpPr>
-          <p:nvPr>
-            <p:ph idx="1"/>
-          </p:nvPr>
-        </p:nvSpPr>
-        <p:spPr/>
-        <p:txBody>
-          <a:bodyPr/>
-          <a:lstStyle/>
-          <a:p>
-            <a:pPr marL="457200" indent="-457200">
-              <a:buFont typeface="Arial" panose="020B0604020202020204" pitchFamily="34" charset="0"/>
-              <a:buChar char="•"/>
-            </a:pPr>
-            <a:r>
-              <a:rPr lang="en-GB" dirty="0" smtClean="0"/>
-              <a:t>List 3 or 4 Key Points</a:t>
-            </a:r>
-          </a:p>
-          <a:p>
-            <a:pPr marL="457200" indent="-457200">
-              <a:buFont typeface="Arial" panose="020B0604020202020204" pitchFamily="34" charset="0"/>
-              <a:buChar char="•"/>
-            </a:pPr>
-            <a:r>
-              <a:rPr lang="en-GB" dirty="0" smtClean="0"/>
-              <a:t>Point #2</a:t>
-            </a:r>
-          </a:p>
-          <a:p>
-            <a:pPr marL="457200" indent="-457200">
-              <a:buFont typeface="Arial" panose="020B0604020202020204" pitchFamily="34" charset="0"/>
-              <a:buChar char="•"/>
-            </a:pPr>
-            <a:r>
-              <a:rPr lang="en-GB" dirty="0" smtClean="0"/>
-              <a:t>Point #3</a:t>
-            </a:r>
-          </a:p>
-          <a:p>
-            <a:pPr marL="457200" indent="-457200">
-              <a:buFont typeface="Arial" panose="020B0604020202020204" pitchFamily="34" charset="0"/>
-              <a:buChar char="•"/>
-            </a:pPr>
-            <a:r>
-              <a:rPr lang="en-GB" dirty="0" smtClean="0"/>
-              <a:t>Point #4</a:t>
-            </a:r>
-          </a:p>
-          <a:p>
-            <a:endParaRPr lang="en-GB" dirty="0" smtClean="0"/>
-          </a:p>
-        </p:txBody>
-      </p:sp>
-      <p:sp>
-        <p:nvSpPr>
-          <p:cNvPr id="5" name="Footer Placeholder 4"/>
-          <p:cNvSpPr>
-            <a:spLocks noGrp="1"/>
-          </p:cNvSpPr>
-          <p:nvPr>
-            <p:ph type="ftr" sz="quarter" idx="11"/>
-          </p:nvPr>
-        </p:nvSpPr>
-        <p:spPr/>
-        <p:txBody>
-          <a:bodyPr/>
-          <a:lstStyle/>
-          <a:p>
-            <a:r>
-              <a:rPr lang="en-GB" dirty="0" smtClean="0">
-                <a:solidFill>
-                  <a:prstClr val="black"/>
-                </a:solidFill>
-              </a:rPr>
-              <a:t>Sage UKI Hackathon</a:t>
-            </a:r>
-            <a:endParaRPr lang="en-GB" dirty="0">
-              <a:solidFill>
-                <a:prstClr val="black"/>
-              </a:solidFill>
-            </a:endParaRPr>
-          </a:p>
-        </p:txBody>
-      </p:sp>
-      <p:sp>
-        <p:nvSpPr>
-          <p:cNvPr id="6" name="Slide Number Placeholder 5"/>
-          <p:cNvSpPr>
-            <a:spLocks noGrp="1"/>
-          </p:cNvSpPr>
-          <p:nvPr>
-            <p:ph type="sldNum" sz="quarter" idx="12"/>
-          </p:nvPr>
-        </p:nvSpPr>
-        <p:spPr/>
-        <p:txBody>
-          <a:bodyPr/>
-          <a:lstStyle/>
-          <a:p>
-            <a:fld id="{5C173A23-9EAF-448F-A700-9AC7A106503C}" type="slidenum">
-              <a:rPr lang="en-GB" smtClean="0">
-                <a:solidFill>
-                  <a:prstClr val="black"/>
-                </a:solidFill>
-              </a:rPr>
-              <a:pPr/>
-              <a:t>5</a:t>
-            </a:fld>
-            <a:endParaRPr lang="en-GB">
-              <a:solidFill>
-                <a:prstClr val="black"/>
-              </a:solidFill>
-            </a:endParaRPr>
-          </a:p>
-        </p:txBody>
-      </p:sp>
-    </p:spTree>
-    <p:extLst>
-      <p:ext uri="{BB962C8B-B14F-4D97-AF65-F5344CB8AC3E}">
-        <p14:creationId xmlns:p14="http://schemas.microsoft.com/office/powerpoint/2010/main" val="574381134"/>
-      </p:ext>
-    </p:extLst>
-  </p:cSld>
-  <p:clrMapOvr>
-    <a:masterClrMapping/>
-  </p:clrMapOvr>
-  <p:timing>
-    <p:tnLst>
-      <p:par>
-        <p:cTn id="1" dur="indefinite" restart="never" nodeType="tmRoot"/>
-      </p:par>
-    </p:tnLst>
-  </p:timing>
-</p:sld>
-</file>
-
 <file path=ppt/slides/slide6.xml><?xml version="1.0" encoding="utf-8"?>
 <p:sld xmlns:a="http://schemas.openxmlformats.org/drawingml/2006/main" xmlns:r="http://schemas.openxmlformats.org/officeDocument/2006/relationships" xmlns:p="http://schemas.openxmlformats.org/presentationml/2006/main">
   <p:cSld>
@@ -23995,6 +24090,181 @@
           <a:lstStyle/>
           <a:p>
             <a:r>
+              <a:rPr lang="en-GB" dirty="0" smtClean="0"/>
+              <a:t>Summary</a:t>
+            </a:r>
+            <a:endParaRPr lang="en-GB" dirty="0"/>
+          </a:p>
+        </p:txBody>
+      </p:sp>
+      <p:sp>
+        <p:nvSpPr>
+          <p:cNvPr id="3" name="Content Placeholder 2"/>
+          <p:cNvSpPr>
+            <a:spLocks noGrp="1"/>
+          </p:cNvSpPr>
+          <p:nvPr>
+            <p:ph idx="1"/>
+          </p:nvPr>
+        </p:nvSpPr>
+        <p:spPr/>
+        <p:txBody>
+          <a:bodyPr/>
+          <a:lstStyle/>
+          <a:p>
+            <a:pPr marL="457200" indent="-457200">
+              <a:buFont typeface="Arial" panose="020B0604020202020204" pitchFamily="34" charset="0"/>
+              <a:buChar char="•"/>
+            </a:pPr>
+            <a:r>
+              <a:rPr lang="en-GB" dirty="0" smtClean="0"/>
+              <a:t>Cloud based solution to manage work environment with the use of </a:t>
+            </a:r>
+            <a:r>
+              <a:rPr lang="en-GB" dirty="0" err="1" smtClean="0"/>
+              <a:t>Iot</a:t>
+            </a:r>
+            <a:r>
+              <a:rPr lang="en-GB" dirty="0" smtClean="0"/>
+              <a:t> sensors.</a:t>
+            </a:r>
+          </a:p>
+          <a:p>
+            <a:pPr marL="457200" indent="-457200">
+              <a:buFont typeface="Arial" panose="020B0604020202020204" pitchFamily="34" charset="0"/>
+              <a:buChar char="•"/>
+            </a:pPr>
+            <a:r>
+              <a:rPr lang="en-GB" dirty="0" smtClean="0"/>
+              <a:t>Integration of Google Voice</a:t>
+            </a:r>
+            <a:endParaRPr lang="en-GB" dirty="0" smtClean="0"/>
+          </a:p>
+          <a:p>
+            <a:pPr marL="457200" indent="-457200">
+              <a:buFont typeface="Arial" panose="020B0604020202020204" pitchFamily="34" charset="0"/>
+              <a:buChar char="•"/>
+            </a:pPr>
+            <a:endParaRPr lang="en-GB" dirty="0" smtClean="0"/>
+          </a:p>
+        </p:txBody>
+      </p:sp>
+      <p:sp>
+        <p:nvSpPr>
+          <p:cNvPr id="5" name="Footer Placeholder 4"/>
+          <p:cNvSpPr>
+            <a:spLocks noGrp="1"/>
+          </p:cNvSpPr>
+          <p:nvPr>
+            <p:ph type="ftr" sz="quarter" idx="11"/>
+          </p:nvPr>
+        </p:nvSpPr>
+        <p:spPr/>
+        <p:txBody>
+          <a:bodyPr/>
+          <a:lstStyle/>
+          <a:p>
+            <a:r>
+              <a:rPr lang="en-GB" dirty="0" smtClean="0">
+                <a:solidFill>
+                  <a:prstClr val="black"/>
+                </a:solidFill>
+              </a:rPr>
+              <a:t>Sage UKI Hackathon</a:t>
+            </a:r>
+            <a:endParaRPr lang="en-GB" dirty="0">
+              <a:solidFill>
+                <a:prstClr val="black"/>
+              </a:solidFill>
+            </a:endParaRPr>
+          </a:p>
+        </p:txBody>
+      </p:sp>
+      <p:sp>
+        <p:nvSpPr>
+          <p:cNvPr id="6" name="Slide Number Placeholder 5"/>
+          <p:cNvSpPr>
+            <a:spLocks noGrp="1"/>
+          </p:cNvSpPr>
+          <p:nvPr>
+            <p:ph type="sldNum" sz="quarter" idx="12"/>
+          </p:nvPr>
+        </p:nvSpPr>
+        <p:spPr/>
+        <p:txBody>
+          <a:bodyPr/>
+          <a:lstStyle/>
+          <a:p>
+            <a:fld id="{5C173A23-9EAF-448F-A700-9AC7A106503C}" type="slidenum">
+              <a:rPr lang="en-GB" smtClean="0">
+                <a:solidFill>
+                  <a:prstClr val="black"/>
+                </a:solidFill>
+              </a:rPr>
+              <a:pPr/>
+              <a:t>6</a:t>
+            </a:fld>
+            <a:endParaRPr lang="en-GB">
+              <a:solidFill>
+                <a:prstClr val="black"/>
+              </a:solidFill>
+            </a:endParaRPr>
+          </a:p>
+        </p:txBody>
+      </p:sp>
+    </p:spTree>
+    <p:extLst>
+      <p:ext uri="{BB962C8B-B14F-4D97-AF65-F5344CB8AC3E}">
+        <p14:creationId xmlns:p14="http://schemas.microsoft.com/office/powerpoint/2010/main" val="574381134"/>
+      </p:ext>
+    </p:extLst>
+  </p:cSld>
+  <p:clrMapOvr>
+    <a:masterClrMapping/>
+  </p:clrMapOvr>
+  <p:timing>
+    <p:tnLst>
+      <p:par>
+        <p:cTn id="1" dur="indefinite" restart="never" nodeType="tmRoot"/>
+      </p:par>
+    </p:tnLst>
+  </p:timing>
+</p:sld>
+</file>
+
+<file path=ppt/slides/slide7.xml><?xml version="1.0" encoding="utf-8"?>
+<p:sld xmlns:a="http://schemas.openxmlformats.org/drawingml/2006/main" xmlns:r="http://schemas.openxmlformats.org/officeDocument/2006/relationships" xmlns:p="http://schemas.openxmlformats.org/presentationml/2006/main">
+  <p:cSld>
+    <p:spTree>
+      <p:nvGrpSpPr>
+        <p:cNvPr id="1" name=""/>
+        <p:cNvGrpSpPr/>
+        <p:nvPr/>
+      </p:nvGrpSpPr>
+      <p:grpSpPr>
+        <a:xfrm>
+          <a:off x="0" y="0"/>
+          <a:ext cx="0" cy="0"/>
+          <a:chOff x="0" y="0"/>
+          <a:chExt cx="0" cy="0"/>
+        </a:xfrm>
+      </p:grpSpPr>
+      <p:sp>
+        <p:nvSpPr>
+          <p:cNvPr id="2" name="Title 1"/>
+          <p:cNvSpPr>
+            <a:spLocks noGrp="1"/>
+          </p:cNvSpPr>
+          <p:nvPr>
+            <p:ph type="title"/>
+          </p:nvPr>
+        </p:nvSpPr>
+        <p:spPr/>
+        <p:txBody>
+          <a:bodyPr/>
+          <a:lstStyle/>
+          <a:p>
+            <a:r>
               <a:rPr lang="en-GB" dirty="0" smtClean="0">
                 <a:solidFill>
                   <a:schemeClr val="accent1"/>
@@ -24010,52 +24280,288 @@
               <a:rPr lang="en-GB" dirty="0" smtClean="0"/>
             </a:br>
             <a:r>
-              <a:rPr lang="en-GB" dirty="0" smtClean="0"/>
+              <a:rPr lang="en-GB" sz="3200" dirty="0">
+                <a:solidFill>
+                  <a:schemeClr val="bg1"/>
+                </a:solidFill>
+                <a:ea typeface="+mn-ea"/>
+              </a:rPr>
               <a:t/>
             </a:r>
             <a:br>
-              <a:rPr lang="en-GB" dirty="0" smtClean="0"/>
-            </a:br>
-            <a:r>
-              <a:rPr lang="en-GB" dirty="0" smtClean="0"/>
-              <a:t/>
-            </a:r>
-            <a:br>
-              <a:rPr lang="en-GB" dirty="0" smtClean="0"/>
-            </a:br>
-            <a:r>
-              <a:rPr lang="en-GB" dirty="0"/>
-              <a:t/>
-            </a:r>
-            <a:br>
-              <a:rPr lang="en-GB" dirty="0"/>
-            </a:br>
-            <a:r>
-              <a:rPr lang="en-GB" dirty="0" smtClean="0"/>
-              <a:t/>
-            </a:r>
-            <a:br>
-              <a:rPr lang="en-GB" dirty="0" smtClean="0"/>
-            </a:br>
-            <a:r>
-              <a:rPr lang="en-GB" dirty="0" smtClean="0">
+              <a:rPr lang="en-GB" sz="3200" dirty="0">
                 <a:solidFill>
                   <a:schemeClr val="bg1"/>
                 </a:solidFill>
-              </a:rPr>
-              <a:t>Thank you</a:t>
-            </a:r>
-            <a:br>
-              <a:rPr lang="en-GB" dirty="0" smtClean="0">
-                <a:solidFill>
-                  <a:schemeClr val="bg1"/>
-                </a:solidFill>
+                <a:ea typeface="+mn-ea"/>
               </a:rPr>
             </a:br>
-            <a:endParaRPr lang="en-GB" dirty="0">
+            <a:r>
+              <a:rPr lang="en-GB" sz="3200" dirty="0">
+                <a:solidFill>
+                  <a:schemeClr val="bg1"/>
+                </a:solidFill>
+                <a:ea typeface="+mn-ea"/>
+              </a:rPr>
+              <a:t>Thank you, Any questions?</a:t>
+            </a:r>
+            <a:br>
+              <a:rPr lang="en-GB" sz="3200" dirty="0">
+                <a:solidFill>
+                  <a:schemeClr val="bg1"/>
+                </a:solidFill>
+                <a:ea typeface="+mn-ea"/>
+              </a:rPr>
+            </a:br>
+            <a:r>
+              <a:rPr lang="en-GB" sz="3200" dirty="0">
+                <a:solidFill>
+                  <a:schemeClr val="bg1"/>
+                </a:solidFill>
+                <a:ea typeface="+mn-ea"/>
+              </a:rPr>
+              <a:t/>
+            </a:r>
+            <a:br>
+              <a:rPr lang="en-GB" sz="3200" dirty="0">
+                <a:solidFill>
+                  <a:schemeClr val="bg1"/>
+                </a:solidFill>
+                <a:ea typeface="+mn-ea"/>
+              </a:rPr>
+            </a:br>
+            <a:r>
+              <a:rPr lang="en-GB" sz="2400" dirty="0">
+                <a:solidFill>
+                  <a:schemeClr val="bg1"/>
+                </a:solidFill>
+                <a:ea typeface="+mn-ea"/>
+              </a:rPr>
+              <a:t>Team Members</a:t>
+            </a:r>
+            <a:br>
+              <a:rPr lang="en-GB" sz="2400" dirty="0">
+                <a:solidFill>
+                  <a:schemeClr val="bg1"/>
+                </a:solidFill>
+                <a:ea typeface="+mn-ea"/>
+              </a:rPr>
+            </a:br>
+            <a:r>
+              <a:rPr lang="en-GB" sz="2400" dirty="0">
+                <a:solidFill>
+                  <a:schemeClr val="bg1"/>
+                </a:solidFill>
+                <a:ea typeface="+mn-ea"/>
+              </a:rPr>
+              <a:t>Amit </a:t>
+            </a:r>
+            <a:r>
+              <a:rPr lang="en-GB" sz="2400" dirty="0" err="1">
+                <a:solidFill>
+                  <a:schemeClr val="bg1"/>
+                </a:solidFill>
+                <a:ea typeface="+mn-ea"/>
+              </a:rPr>
+              <a:t>Varshney</a:t>
+            </a:r>
+            <a:r>
+              <a:rPr lang="en-GB" sz="2400" dirty="0">
+                <a:solidFill>
+                  <a:schemeClr val="bg1"/>
+                </a:solidFill>
+                <a:ea typeface="+mn-ea"/>
+              </a:rPr>
+              <a:t> @</a:t>
+            </a:r>
+            <a:r>
+              <a:rPr lang="en-GB" sz="2400" dirty="0" err="1" smtClean="0">
+                <a:solidFill>
+                  <a:schemeClr val="bg1"/>
+                </a:solidFill>
+                <a:ea typeface="+mn-ea"/>
+              </a:rPr>
+              <a:t>amitheunlimited</a:t>
+            </a:r>
+            <a:r>
+              <a:rPr lang="en-GB" sz="2400" dirty="0" smtClean="0">
+                <a:solidFill>
+                  <a:schemeClr val="bg1"/>
+                </a:solidFill>
+                <a:ea typeface="+mn-ea"/>
+              </a:rPr>
+              <a:t/>
+            </a:r>
+            <a:br>
+              <a:rPr lang="en-GB" sz="2400" dirty="0" smtClean="0">
+                <a:solidFill>
+                  <a:schemeClr val="bg1"/>
+                </a:solidFill>
+                <a:ea typeface="+mn-ea"/>
+              </a:rPr>
+            </a:br>
+            <a:r>
+              <a:rPr lang="en-GB" sz="2400" dirty="0" smtClean="0">
+                <a:solidFill>
+                  <a:schemeClr val="bg1"/>
+                </a:solidFill>
+                <a:ea typeface="+mn-ea"/>
+              </a:rPr>
+              <a:t>David </a:t>
+            </a:r>
+            <a:r>
+              <a:rPr lang="en-GB" sz="2400" dirty="0" err="1" smtClean="0">
+                <a:solidFill>
+                  <a:schemeClr val="bg1"/>
+                </a:solidFill>
+                <a:ea typeface="+mn-ea"/>
+              </a:rPr>
+              <a:t>Oyeku</a:t>
+            </a:r>
+            <a:r>
+              <a:rPr lang="en-GB" sz="2400" dirty="0" smtClean="0">
+                <a:solidFill>
+                  <a:schemeClr val="bg1"/>
+                </a:solidFill>
+                <a:ea typeface="+mn-ea"/>
+              </a:rPr>
+              <a:t> </a:t>
+            </a:r>
+            <a:r>
+              <a:rPr lang="en-GB" sz="2400" smtClean="0">
+                <a:solidFill>
+                  <a:schemeClr val="bg1"/>
+                </a:solidFill>
+                <a:ea typeface="+mn-ea"/>
+              </a:rPr>
+              <a:t/>
+            </a:r>
+            <a:br>
+              <a:rPr lang="en-GB" sz="2400" smtClean="0">
+                <a:solidFill>
+                  <a:schemeClr val="bg1"/>
+                </a:solidFill>
+                <a:ea typeface="+mn-ea"/>
+              </a:rPr>
+            </a:br>
+            <a:r>
+              <a:rPr lang="en-GB" sz="2400" smtClean="0">
+                <a:solidFill>
+                  <a:schemeClr val="bg1"/>
+                </a:solidFill>
+                <a:ea typeface="+mn-ea"/>
+              </a:rPr>
+              <a:t>Jason </a:t>
+            </a:r>
+            <a:r>
+              <a:rPr lang="en-GB" sz="2400" dirty="0" smtClean="0">
+                <a:solidFill>
+                  <a:schemeClr val="bg1"/>
+                </a:solidFill>
+                <a:ea typeface="+mn-ea"/>
+              </a:rPr>
+              <a:t/>
+            </a:r>
+            <a:br>
+              <a:rPr lang="en-GB" sz="2400" dirty="0" smtClean="0">
+                <a:solidFill>
+                  <a:schemeClr val="bg1"/>
+                </a:solidFill>
+                <a:ea typeface="+mn-ea"/>
+              </a:rPr>
+            </a:br>
+            <a:r>
+              <a:rPr lang="en-GB" sz="2400" dirty="0" smtClean="0">
+                <a:solidFill>
+                  <a:schemeClr val="bg1"/>
+                </a:solidFill>
+                <a:ea typeface="+mn-ea"/>
+              </a:rPr>
+              <a:t>Siddhant Baviskar @siddhantfri3nds</a:t>
+            </a:r>
+            <a:br>
+              <a:rPr lang="en-GB" sz="2400" dirty="0" smtClean="0">
+                <a:solidFill>
+                  <a:schemeClr val="bg1"/>
+                </a:solidFill>
+                <a:ea typeface="+mn-ea"/>
+              </a:rPr>
+            </a:br>
+            <a:r>
+              <a:rPr lang="en-GB" sz="2400" dirty="0" err="1" smtClean="0">
+                <a:solidFill>
+                  <a:schemeClr val="bg1"/>
+                </a:solidFill>
+                <a:ea typeface="+mn-ea"/>
+              </a:rPr>
+              <a:t>Rudie</a:t>
+            </a:r>
+            <a:r>
+              <a:rPr lang="en-GB" sz="2400" dirty="0" smtClean="0">
+                <a:solidFill>
+                  <a:schemeClr val="bg1"/>
+                </a:solidFill>
+                <a:ea typeface="+mn-ea"/>
+              </a:rPr>
+              <a:t> </a:t>
+            </a:r>
+            <a:r>
+              <a:rPr lang="en-GB" sz="2400" dirty="0" err="1" smtClean="0">
+                <a:solidFill>
+                  <a:schemeClr val="bg1"/>
+                </a:solidFill>
+                <a:ea typeface="+mn-ea"/>
+              </a:rPr>
+              <a:t>Dorrepaal</a:t>
+            </a:r>
+            <a:r>
+              <a:rPr lang="en-GB" sz="2400" dirty="0" smtClean="0">
+                <a:solidFill>
+                  <a:schemeClr val="bg1"/>
+                </a:solidFill>
+                <a:ea typeface="+mn-ea"/>
+              </a:rPr>
+              <a:t> </a:t>
+            </a:r>
+            <a:r>
+              <a:rPr lang="en-GB" sz="3200" dirty="0">
+                <a:solidFill>
+                  <a:schemeClr val="bg1"/>
+                </a:solidFill>
+                <a:ea typeface="+mn-ea"/>
+              </a:rPr>
+              <a:t/>
+            </a:r>
+            <a:br>
+              <a:rPr lang="en-GB" sz="3200" dirty="0">
+                <a:solidFill>
+                  <a:schemeClr val="bg1"/>
+                </a:solidFill>
+                <a:ea typeface="+mn-ea"/>
+              </a:rPr>
+            </a:br>
+            <a:r>
+              <a:rPr lang="en-GB" sz="3200" dirty="0">
+                <a:solidFill>
+                  <a:schemeClr val="bg1"/>
+                </a:solidFill>
+                <a:ea typeface="+mn-ea"/>
+              </a:rPr>
+              <a:t/>
+            </a:r>
+            <a:br>
+              <a:rPr lang="en-GB" sz="3200" dirty="0">
+                <a:solidFill>
+                  <a:schemeClr val="bg1"/>
+                </a:solidFill>
+                <a:ea typeface="+mn-ea"/>
+              </a:rPr>
+            </a:br>
+            <a:endParaRPr lang="en-GB" sz="3200" dirty="0">
               <a:solidFill>
                 <a:schemeClr val="bg1"/>
               </a:solidFill>
+              <a:ea typeface="+mn-ea"/>
             </a:endParaRPr>
           </a:p>
         </p:txBody>
@@ -24113,7 +24619,7 @@
                 </a:solidFill>
               </a:rPr>
               <a:pPr/>
-              <a:t>6</a:t>
+              <a:t>7</a:t>
             </a:fld>
             <a:endParaRPr lang="en-GB">
               <a:solidFill>
